--- a/Apresentação/PasPiler.pptx
+++ b/Apresentação/PasPiler.pptx
@@ -111,6 +111,11 @@
       </a:defRPr>
     </a:lvl9pPr>
   </p:defaultTextStyle>
+  <p:extLst>
+    <p:ext uri="{EFAFB233-063F-42B5-8137-9DF3F51BA10A}">
+      <p15:sldGuideLst xmlns:p15="http://schemas.microsoft.com/office/powerpoint/2012/main"/>
+    </p:ext>
+  </p:extLst>
 </p:presentation>
 </file>
 
@@ -6360,13 +6365,13 @@
   <p:clrMapOvr>
     <a:masterClrMapping/>
   </p:clrMapOvr>
-  <mc:AlternateContent xmlns:mc="http://schemas.openxmlformats.org/markup-compatibility/2006">
-    <mc:Choice xmlns:p14="http://schemas.microsoft.com/office/powerpoint/2010/main" Requires="p14">
+  <mc:AlternateContent xmlns:mc="http://schemas.openxmlformats.org/markup-compatibility/2006" xmlns:p14="http://schemas.microsoft.com/office/powerpoint/2010/main">
+    <mc:Choice Requires="p14">
       <p:transition spd="med" p14:dur="700">
         <p:fade/>
       </p:transition>
     </mc:Choice>
-    <mc:Fallback>
+    <mc:Fallback xmlns="">
       <p:transition spd="med">
         <p:fade/>
       </p:transition>
@@ -6375,7 +6380,83 @@
   <p:timing>
     <p:tnLst>
       <p:par>
-        <p:cTn id="1" dur="indefinite" restart="never" nodeType="tmRoot"/>
+        <p:cTn id="1" dur="indefinite" restart="never" nodeType="tmRoot">
+          <p:childTnLst>
+            <p:seq concurrent="1" nextAc="seek">
+              <p:cTn id="2" dur="indefinite" nodeType="mainSeq">
+                <p:childTnLst>
+                  <p:par>
+                    <p:cTn id="3" fill="hold">
+                      <p:stCondLst>
+                        <p:cond delay="indefinite"/>
+                      </p:stCondLst>
+                      <p:childTnLst>
+                        <p:par>
+                          <p:cTn id="4" fill="hold">
+                            <p:stCondLst>
+                              <p:cond delay="0"/>
+                            </p:stCondLst>
+                            <p:childTnLst>
+                              <p:par>
+                                <p:cTn id="5" presetID="10" presetClass="entr" presetSubtype="0" fill="hold" nodeType="clickEffect">
+                                  <p:stCondLst>
+                                    <p:cond delay="0"/>
+                                  </p:stCondLst>
+                                  <p:childTnLst>
+                                    <p:set>
+                                      <p:cBhvr>
+                                        <p:cTn id="6" dur="1" fill="hold">
+                                          <p:stCondLst>
+                                            <p:cond delay="0"/>
+                                          </p:stCondLst>
+                                        </p:cTn>
+                                        <p:tgtEl>
+                                          <p:spTgt spid="4"/>
+                                        </p:tgtEl>
+                                        <p:attrNameLst>
+                                          <p:attrName>style.visibility</p:attrName>
+                                        </p:attrNameLst>
+                                      </p:cBhvr>
+                                      <p:to>
+                                        <p:strVal val="visible"/>
+                                      </p:to>
+                                    </p:set>
+                                    <p:animEffect transition="in" filter="fade">
+                                      <p:cBhvr>
+                                        <p:cTn id="7" dur="500"/>
+                                        <p:tgtEl>
+                                          <p:spTgt spid="4"/>
+                                        </p:tgtEl>
+                                      </p:cBhvr>
+                                    </p:animEffect>
+                                  </p:childTnLst>
+                                </p:cTn>
+                              </p:par>
+                            </p:childTnLst>
+                          </p:cTn>
+                        </p:par>
+                      </p:childTnLst>
+                    </p:cTn>
+                  </p:par>
+                </p:childTnLst>
+              </p:cTn>
+              <p:prevCondLst>
+                <p:cond evt="onPrev" delay="0">
+                  <p:tgtEl>
+                    <p:sldTgt/>
+                  </p:tgtEl>
+                </p:cond>
+              </p:prevCondLst>
+              <p:nextCondLst>
+                <p:cond evt="onNext" delay="0">
+                  <p:tgtEl>
+                    <p:sldTgt/>
+                  </p:tgtEl>
+                </p:cond>
+              </p:nextCondLst>
+            </p:seq>
+          </p:childTnLst>
+        </p:cTn>
       </p:par>
     </p:tnLst>
   </p:timing>
@@ -6745,13 +6826,13 @@
   <p:clrMapOvr>
     <a:masterClrMapping/>
   </p:clrMapOvr>
-  <mc:AlternateContent xmlns:mc="http://schemas.openxmlformats.org/markup-compatibility/2006">
-    <mc:Choice xmlns:p15="http://schemas.microsoft.com/office/powerpoint/2012/main" Requires="p15">
+  <mc:AlternateContent xmlns:mc="http://schemas.openxmlformats.org/markup-compatibility/2006" xmlns:p15="http://schemas.microsoft.com/office/powerpoint/2012/main">
+    <mc:Choice Requires="p15">
       <p:transition xmlns:p14="http://schemas.microsoft.com/office/powerpoint/2010/main" spd="slow" p14:dur="2000">
         <p15:prstTrans prst="drape"/>
       </p:transition>
     </mc:Choice>
-    <mc:Fallback>
+    <mc:Fallback xmlns="">
       <p:transition spd="slow">
         <p:fade/>
       </p:transition>
@@ -9422,13 +9503,13 @@
   <p:clrMapOvr>
     <a:masterClrMapping/>
   </p:clrMapOvr>
-  <mc:AlternateContent xmlns:mc="http://schemas.openxmlformats.org/markup-compatibility/2006">
-    <mc:Choice xmlns:p14="http://schemas.microsoft.com/office/powerpoint/2010/main" Requires="p14">
+  <mc:AlternateContent xmlns:mc="http://schemas.openxmlformats.org/markup-compatibility/2006" xmlns:p14="http://schemas.microsoft.com/office/powerpoint/2010/main">
+    <mc:Choice Requires="p14">
       <p:transition spd="slow" p14:dur="3400">
         <p14:reveal/>
       </p:transition>
     </mc:Choice>
-    <mc:Fallback>
+    <mc:Fallback xmlns="">
       <p:transition spd="slow">
         <p:fade/>
       </p:transition>
@@ -10989,13 +11070,13 @@
   <p:clrMapOvr>
     <a:masterClrMapping/>
   </p:clrMapOvr>
-  <mc:AlternateContent xmlns:mc="http://schemas.openxmlformats.org/markup-compatibility/2006">
-    <mc:Choice xmlns:p15="http://schemas.microsoft.com/office/powerpoint/2012/main" Requires="p15">
+  <mc:AlternateContent xmlns:mc="http://schemas.openxmlformats.org/markup-compatibility/2006" xmlns:p15="http://schemas.microsoft.com/office/powerpoint/2012/main">
+    <mc:Choice Requires="p15">
       <p:transition xmlns:p14="http://schemas.microsoft.com/office/powerpoint/2010/main" spd="slow" p14:dur="1250">
         <p15:prstTrans prst="peelOff"/>
       </p:transition>
     </mc:Choice>
-    <mc:Fallback>
+    <mc:Fallback xmlns="">
       <p:transition spd="slow">
         <p:fade/>
       </p:transition>
@@ -11997,13 +12078,13 @@
   <p:clrMapOvr>
     <a:masterClrMapping/>
   </p:clrMapOvr>
-  <mc:AlternateContent xmlns:mc="http://schemas.openxmlformats.org/markup-compatibility/2006">
-    <mc:Choice xmlns:p15="http://schemas.microsoft.com/office/powerpoint/2012/main" Requires="p15">
+  <mc:AlternateContent xmlns:mc="http://schemas.openxmlformats.org/markup-compatibility/2006" xmlns:p15="http://schemas.microsoft.com/office/powerpoint/2012/main">
+    <mc:Choice Requires="p15">
       <p:transition xmlns:p14="http://schemas.microsoft.com/office/powerpoint/2010/main" spd="slow" p14:dur="2000">
         <p15:prstTrans prst="fallOver"/>
       </p:transition>
     </mc:Choice>
-    <mc:Fallback>
+    <mc:Fallback xmlns="">
       <p:transition spd="slow">
         <p:fade/>
       </p:transition>
@@ -12779,13 +12860,13 @@
   <p:clrMapOvr>
     <a:masterClrMapping/>
   </p:clrMapOvr>
-  <mc:AlternateContent xmlns:mc="http://schemas.openxmlformats.org/markup-compatibility/2006">
-    <mc:Choice xmlns:p15="http://schemas.microsoft.com/office/powerpoint/2012/main" Requires="p15">
+  <mc:AlternateContent xmlns:mc="http://schemas.openxmlformats.org/markup-compatibility/2006" xmlns:p15="http://schemas.microsoft.com/office/powerpoint/2012/main">
+    <mc:Choice Requires="p15">
       <p:transition xmlns:p14="http://schemas.microsoft.com/office/powerpoint/2010/main" spd="slow" p14:dur="2000">
         <p15:prstTrans prst="fracture"/>
       </p:transition>
     </mc:Choice>
-    <mc:Fallback>
+    <mc:Fallback xmlns="">
       <p:transition spd="slow">
         <p:fade/>
       </p:transition>
@@ -12882,13 +12963,13 @@
   <p:clrMapOvr>
     <a:masterClrMapping/>
   </p:clrMapOvr>
-  <mc:AlternateContent xmlns:mc="http://schemas.openxmlformats.org/markup-compatibility/2006">
-    <mc:Choice xmlns:p14="http://schemas.microsoft.com/office/powerpoint/2010/main" Requires="p14">
+  <mc:AlternateContent xmlns:mc="http://schemas.openxmlformats.org/markup-compatibility/2006" xmlns:p14="http://schemas.microsoft.com/office/powerpoint/2010/main">
+    <mc:Choice Requires="p14">
       <p:transition spd="slow" p14:dur="1600">
         <p14:prism isContent="1" isInverted="1"/>
       </p:transition>
     </mc:Choice>
-    <mc:Fallback>
+    <mc:Fallback xmlns="">
       <p:transition spd="slow">
         <p:fade/>
       </p:transition>
